--- a/report/imgs/tabacco-lobelia.pptx
+++ b/report/imgs/tabacco-lobelia.pptx
@@ -104,6 +104,11 @@
       </a:defRPr>
     </a:lvl9pPr>
   </p:defaultTextStyle>
+  <p:extLst>
+    <p:ext uri="{EFAFB233-063F-42B5-8137-9DF3F51BA10A}">
+      <p15:sldGuideLst xmlns:p15="http://schemas.microsoft.com/office/powerpoint/2012/main"/>
+    </p:ext>
+  </p:extLst>
 </p:presentation>
 </file>
 
@@ -2972,10 +2977,10 @@
         </p:nvGrpSpPr>
         <p:grpSpPr>
           <a:xfrm>
-            <a:off x="1041400" y="887386"/>
-            <a:ext cx="4984596" cy="3848381"/>
-            <a:chOff x="1041400" y="887386"/>
-            <a:chExt cx="4984596" cy="3848381"/>
+            <a:off x="1041400" y="1027249"/>
+            <a:ext cx="4984596" cy="3694230"/>
+            <a:chOff x="1041400" y="1027249"/>
+            <a:chExt cx="4984596" cy="3694230"/>
           </a:xfrm>
         </p:grpSpPr>
         <p:sp>
@@ -3606,8 +3611,8 @@
             </a:p>
           </p:txBody>
         </p:sp>
-        <mc:AlternateContent xmlns:mc="http://schemas.openxmlformats.org/markup-compatibility/2006">
-          <mc:Choice xmlns:a14="http://schemas.microsoft.com/office/drawing/2010/main" Requires="a14">
+        <mc:AlternateContent xmlns:mc="http://schemas.openxmlformats.org/markup-compatibility/2006" xmlns:a14="http://schemas.microsoft.com/office/drawing/2010/main">
+          <mc:Choice Requires="a14">
             <p:sp>
               <p:nvSpPr>
                 <p:cNvPr id="19" name="TextBox 18"/>
@@ -3630,6 +3635,7 @@
                 </a:bodyPr>
                 <a:lstStyle/>
                 <a:p>
+                  <a:pPr/>
                   <a14:m>
                     <m:oMathPara xmlns:m="http://schemas.openxmlformats.org/officeDocument/2006/math">
                       <m:oMathParaPr>
@@ -3650,7 +3656,7 @@
               </p:txBody>
             </p:sp>
           </mc:Choice>
-          <mc:Fallback>
+          <mc:Fallback xmlns="">
             <p:sp>
               <p:nvSpPr>
                 <p:cNvPr id="19" name="TextBox 18"/>
@@ -3689,8 +3695,8 @@
             </p:sp>
           </mc:Fallback>
         </mc:AlternateContent>
-        <mc:AlternateContent xmlns:mc="http://schemas.openxmlformats.org/markup-compatibility/2006">
-          <mc:Choice xmlns:a14="http://schemas.microsoft.com/office/drawing/2010/main" Requires="a14">
+        <mc:AlternateContent xmlns:mc="http://schemas.openxmlformats.org/markup-compatibility/2006" xmlns:a14="http://schemas.microsoft.com/office/drawing/2010/main">
+          <mc:Choice Requires="a14">
             <p:sp>
               <p:nvSpPr>
                 <p:cNvPr id="22" name="TextBox 21"/>
@@ -3713,6 +3719,7 @@
                 </a:bodyPr>
                 <a:lstStyle/>
                 <a:p>
+                  <a:pPr/>
                   <a14:m>
                     <m:oMathPara xmlns:m="http://schemas.openxmlformats.org/officeDocument/2006/math">
                       <m:oMathParaPr>
@@ -3733,7 +3740,7 @@
               </p:txBody>
             </p:sp>
           </mc:Choice>
-          <mc:Fallback>
+          <mc:Fallback xmlns="">
             <p:sp>
               <p:nvSpPr>
                 <p:cNvPr id="22" name="TextBox 21"/>
@@ -3772,8 +3779,8 @@
             </p:sp>
           </mc:Fallback>
         </mc:AlternateContent>
-        <mc:AlternateContent xmlns:mc="http://schemas.openxmlformats.org/markup-compatibility/2006">
-          <mc:Choice xmlns:a14="http://schemas.microsoft.com/office/drawing/2010/main" Requires="a14">
+        <mc:AlternateContent xmlns:mc="http://schemas.openxmlformats.org/markup-compatibility/2006" xmlns:a14="http://schemas.microsoft.com/office/drawing/2010/main">
+          <mc:Choice Requires="a14">
             <p:sp>
               <p:nvSpPr>
                 <p:cNvPr id="23" name="TextBox 22"/>
@@ -3796,6 +3803,7 @@
                 </a:bodyPr>
                 <a:lstStyle/>
                 <a:p>
+                  <a:pPr/>
                   <a14:m>
                     <m:oMathPara xmlns:m="http://schemas.openxmlformats.org/officeDocument/2006/math">
                       <m:oMathParaPr>
@@ -3816,7 +3824,7 @@
               </p:txBody>
             </p:sp>
           </mc:Choice>
-          <mc:Fallback>
+          <mc:Fallback xmlns="">
             <p:sp>
               <p:nvSpPr>
                 <p:cNvPr id="23" name="TextBox 22"/>
@@ -3855,8 +3863,8 @@
             </p:sp>
           </mc:Fallback>
         </mc:AlternateContent>
-        <mc:AlternateContent xmlns:mc="http://schemas.openxmlformats.org/markup-compatibility/2006">
-          <mc:Choice xmlns:a14="http://schemas.microsoft.com/office/drawing/2010/main" Requires="a14">
+        <mc:AlternateContent xmlns:mc="http://schemas.openxmlformats.org/markup-compatibility/2006" xmlns:a14="http://schemas.microsoft.com/office/drawing/2010/main">
+          <mc:Choice Requires="a14">
             <p:sp>
               <p:nvSpPr>
                 <p:cNvPr id="24" name="TextBox 23"/>
@@ -3879,6 +3887,7 @@
                 </a:bodyPr>
                 <a:lstStyle/>
                 <a:p>
+                  <a:pPr/>
                   <a14:m>
                     <m:oMathPara xmlns:m="http://schemas.openxmlformats.org/officeDocument/2006/math">
                       <m:oMathParaPr>
@@ -3899,7 +3908,7 @@
               </p:txBody>
             </p:sp>
           </mc:Choice>
-          <mc:Fallback>
+          <mc:Fallback xmlns="">
             <p:sp>
               <p:nvSpPr>
                 <p:cNvPr id="24" name="TextBox 23"/>
@@ -3938,8 +3947,8 @@
             </p:sp>
           </mc:Fallback>
         </mc:AlternateContent>
-        <mc:AlternateContent xmlns:mc="http://schemas.openxmlformats.org/markup-compatibility/2006">
-          <mc:Choice xmlns:a14="http://schemas.microsoft.com/office/drawing/2010/main" Requires="a14">
+        <mc:AlternateContent xmlns:mc="http://schemas.openxmlformats.org/markup-compatibility/2006" xmlns:a14="http://schemas.microsoft.com/office/drawing/2010/main">
+          <mc:Choice Requires="a14">
             <p:sp>
               <p:nvSpPr>
                 <p:cNvPr id="25" name="TextBox 24"/>
@@ -3962,6 +3971,7 @@
                 </a:bodyPr>
                 <a:lstStyle/>
                 <a:p>
+                  <a:pPr/>
                   <a14:m>
                     <m:oMathPara xmlns:m="http://schemas.openxmlformats.org/officeDocument/2006/math">
                       <m:oMathParaPr>
@@ -3982,7 +3992,7 @@
               </p:txBody>
             </p:sp>
           </mc:Choice>
-          <mc:Fallback>
+          <mc:Fallback xmlns="">
             <p:sp>
               <p:nvSpPr>
                 <p:cNvPr id="25" name="TextBox 24"/>
@@ -4021,8 +4031,8 @@
             </p:sp>
           </mc:Fallback>
         </mc:AlternateContent>
-        <mc:AlternateContent xmlns:mc="http://schemas.openxmlformats.org/markup-compatibility/2006">
-          <mc:Choice xmlns:a14="http://schemas.microsoft.com/office/drawing/2010/main" Requires="a14">
+        <mc:AlternateContent xmlns:mc="http://schemas.openxmlformats.org/markup-compatibility/2006" xmlns:a14="http://schemas.microsoft.com/office/drawing/2010/main">
+          <mc:Choice Requires="a14">
             <p:sp>
               <p:nvSpPr>
                 <p:cNvPr id="26" name="TextBox 25"/>
@@ -4045,6 +4055,7 @@
                 </a:bodyPr>
                 <a:lstStyle/>
                 <a:p>
+                  <a:pPr/>
                   <a14:m>
                     <m:oMathPara xmlns:m="http://schemas.openxmlformats.org/officeDocument/2006/math">
                       <m:oMathParaPr>
@@ -4065,7 +4076,7 @@
               </p:txBody>
             </p:sp>
           </mc:Choice>
-          <mc:Fallback>
+          <mc:Fallback xmlns="">
             <p:sp>
               <p:nvSpPr>
                 <p:cNvPr id="26" name="TextBox 25"/>
@@ -4104,8 +4115,8 @@
             </p:sp>
           </mc:Fallback>
         </mc:AlternateContent>
-        <mc:AlternateContent xmlns:mc="http://schemas.openxmlformats.org/markup-compatibility/2006">
-          <mc:Choice xmlns:a14="http://schemas.microsoft.com/office/drawing/2010/main" Requires="a14">
+        <mc:AlternateContent xmlns:mc="http://schemas.openxmlformats.org/markup-compatibility/2006" xmlns:a14="http://schemas.microsoft.com/office/drawing/2010/main">
+          <mc:Choice Requires="a14">
             <p:sp>
               <p:nvSpPr>
                 <p:cNvPr id="27" name="TextBox 26"/>
@@ -4128,6 +4139,7 @@
                 </a:bodyPr>
                 <a:lstStyle/>
                 <a:p>
+                  <a:pPr/>
                   <a14:m>
                     <m:oMathPara xmlns:m="http://schemas.openxmlformats.org/officeDocument/2006/math">
                       <m:oMathParaPr>
@@ -4148,7 +4160,7 @@
               </p:txBody>
             </p:sp>
           </mc:Choice>
-          <mc:Fallback>
+          <mc:Fallback xmlns="">
             <p:sp>
               <p:nvSpPr>
                 <p:cNvPr id="27" name="TextBox 26"/>
@@ -4187,8 +4199,8 @@
             </p:sp>
           </mc:Fallback>
         </mc:AlternateContent>
-        <mc:AlternateContent xmlns:mc="http://schemas.openxmlformats.org/markup-compatibility/2006">
-          <mc:Choice xmlns:a14="http://schemas.microsoft.com/office/drawing/2010/main" Requires="a14">
+        <mc:AlternateContent xmlns:mc="http://schemas.openxmlformats.org/markup-compatibility/2006" xmlns:a14="http://schemas.microsoft.com/office/drawing/2010/main">
+          <mc:Choice Requires="a14">
             <p:sp>
               <p:nvSpPr>
                 <p:cNvPr id="28" name="TextBox 27"/>
@@ -4211,6 +4223,7 @@
                 </a:bodyPr>
                 <a:lstStyle/>
                 <a:p>
+                  <a:pPr/>
                   <a14:m>
                     <m:oMathPara xmlns:m="http://schemas.openxmlformats.org/officeDocument/2006/math">
                       <m:oMathParaPr>
@@ -4231,7 +4244,7 @@
               </p:txBody>
             </p:sp>
           </mc:Choice>
-          <mc:Fallback>
+          <mc:Fallback xmlns="">
             <p:sp>
               <p:nvSpPr>
                 <p:cNvPr id="28" name="TextBox 27"/>
@@ -4686,8 +4699,8 @@
             </a:p>
           </p:txBody>
         </p:sp>
-        <mc:AlternateContent xmlns:mc="http://schemas.openxmlformats.org/markup-compatibility/2006">
-          <mc:Choice xmlns:a14="http://schemas.microsoft.com/office/drawing/2010/main" Requires="a14">
+        <mc:AlternateContent xmlns:mc="http://schemas.openxmlformats.org/markup-compatibility/2006" xmlns:a14="http://schemas.microsoft.com/office/drawing/2010/main">
+          <mc:Choice Requires="a14">
             <p:sp>
               <p:nvSpPr>
                 <p:cNvPr id="51" name="TextBox 50"/>
@@ -4710,6 +4723,7 @@
                 </a:bodyPr>
                 <a:lstStyle/>
                 <a:p>
+                  <a:pPr/>
                   <a14:m>
                     <m:oMathPara xmlns:m="http://schemas.openxmlformats.org/officeDocument/2006/math">
                       <m:oMathParaPr>
@@ -4730,7 +4744,7 @@
               </p:txBody>
             </p:sp>
           </mc:Choice>
-          <mc:Fallback>
+          <mc:Fallback xmlns="">
             <p:sp>
               <p:nvSpPr>
                 <p:cNvPr id="51" name="TextBox 50"/>
@@ -4769,8 +4783,8 @@
             </p:sp>
           </mc:Fallback>
         </mc:AlternateContent>
-        <mc:AlternateContent xmlns:mc="http://schemas.openxmlformats.org/markup-compatibility/2006">
-          <mc:Choice xmlns:a14="http://schemas.microsoft.com/office/drawing/2010/main" Requires="a14">
+        <mc:AlternateContent xmlns:mc="http://schemas.openxmlformats.org/markup-compatibility/2006" xmlns:a14="http://schemas.microsoft.com/office/drawing/2010/main">
+          <mc:Choice Requires="a14">
             <p:sp>
               <p:nvSpPr>
                 <p:cNvPr id="52" name="TextBox 51"/>
@@ -4793,6 +4807,7 @@
                 </a:bodyPr>
                 <a:lstStyle/>
                 <a:p>
+                  <a:pPr/>
                   <a14:m>
                     <m:oMathPara xmlns:m="http://schemas.openxmlformats.org/officeDocument/2006/math">
                       <m:oMathParaPr>
@@ -4813,7 +4828,7 @@
               </p:txBody>
             </p:sp>
           </mc:Choice>
-          <mc:Fallback>
+          <mc:Fallback xmlns="">
             <p:sp>
               <p:nvSpPr>
                 <p:cNvPr id="52" name="TextBox 51"/>
@@ -4852,8 +4867,8 @@
             </p:sp>
           </mc:Fallback>
         </mc:AlternateContent>
-        <mc:AlternateContent xmlns:mc="http://schemas.openxmlformats.org/markup-compatibility/2006">
-          <mc:Choice xmlns:a14="http://schemas.microsoft.com/office/drawing/2010/main" Requires="a14">
+        <mc:AlternateContent xmlns:mc="http://schemas.openxmlformats.org/markup-compatibility/2006" xmlns:a14="http://schemas.microsoft.com/office/drawing/2010/main">
+          <mc:Choice Requires="a14">
             <p:sp>
               <p:nvSpPr>
                 <p:cNvPr id="53" name="TextBox 52"/>
@@ -4876,6 +4891,7 @@
                 </a:bodyPr>
                 <a:lstStyle/>
                 <a:p>
+                  <a:pPr/>
                   <a14:m>
                     <m:oMathPara xmlns:m="http://schemas.openxmlformats.org/officeDocument/2006/math">
                       <m:oMathParaPr>
@@ -4896,7 +4912,7 @@
               </p:txBody>
             </p:sp>
           </mc:Choice>
-          <mc:Fallback>
+          <mc:Fallback xmlns="">
             <p:sp>
               <p:nvSpPr>
                 <p:cNvPr id="53" name="TextBox 52"/>
@@ -4935,8 +4951,8 @@
             </p:sp>
           </mc:Fallback>
         </mc:AlternateContent>
-        <mc:AlternateContent xmlns:mc="http://schemas.openxmlformats.org/markup-compatibility/2006">
-          <mc:Choice xmlns:a14="http://schemas.microsoft.com/office/drawing/2010/main" Requires="a14">
+        <mc:AlternateContent xmlns:mc="http://schemas.openxmlformats.org/markup-compatibility/2006" xmlns:a14="http://schemas.microsoft.com/office/drawing/2010/main">
+          <mc:Choice Requires="a14">
             <p:sp>
               <p:nvSpPr>
                 <p:cNvPr id="54" name="TextBox 53"/>
@@ -4959,6 +4975,7 @@
                 </a:bodyPr>
                 <a:lstStyle/>
                 <a:p>
+                  <a:pPr/>
                   <a14:m>
                     <m:oMathPara xmlns:m="http://schemas.openxmlformats.org/officeDocument/2006/math">
                       <m:oMathParaPr>
@@ -4979,7 +4996,7 @@
               </p:txBody>
             </p:sp>
           </mc:Choice>
-          <mc:Fallback>
+          <mc:Fallback xmlns="">
             <p:sp>
               <p:nvSpPr>
                 <p:cNvPr id="54" name="TextBox 53"/>
@@ -5018,8 +5035,8 @@
             </p:sp>
           </mc:Fallback>
         </mc:AlternateContent>
-        <mc:AlternateContent xmlns:mc="http://schemas.openxmlformats.org/markup-compatibility/2006">
-          <mc:Choice xmlns:a14="http://schemas.microsoft.com/office/drawing/2010/main" Requires="a14">
+        <mc:AlternateContent xmlns:mc="http://schemas.openxmlformats.org/markup-compatibility/2006" xmlns:a14="http://schemas.microsoft.com/office/drawing/2010/main">
+          <mc:Choice Requires="a14">
             <p:sp>
               <p:nvSpPr>
                 <p:cNvPr id="55" name="TextBox 54"/>
@@ -5042,6 +5059,7 @@
                 </a:bodyPr>
                 <a:lstStyle/>
                 <a:p>
+                  <a:pPr/>
                   <a14:m>
                     <m:oMathPara xmlns:m="http://schemas.openxmlformats.org/officeDocument/2006/math">
                       <m:oMathParaPr>
@@ -5062,7 +5080,7 @@
               </p:txBody>
             </p:sp>
           </mc:Choice>
-          <mc:Fallback>
+          <mc:Fallback xmlns="">
             <p:sp>
               <p:nvSpPr>
                 <p:cNvPr id="55" name="TextBox 54"/>
@@ -5101,8 +5119,8 @@
             </p:sp>
           </mc:Fallback>
         </mc:AlternateContent>
-        <mc:AlternateContent xmlns:mc="http://schemas.openxmlformats.org/markup-compatibility/2006">
-          <mc:Choice xmlns:a14="http://schemas.microsoft.com/office/drawing/2010/main" Requires="a14">
+        <mc:AlternateContent xmlns:mc="http://schemas.openxmlformats.org/markup-compatibility/2006" xmlns:a14="http://schemas.microsoft.com/office/drawing/2010/main">
+          <mc:Choice Requires="a14">
             <p:sp>
               <p:nvSpPr>
                 <p:cNvPr id="56" name="TextBox 55"/>
@@ -5125,6 +5143,7 @@
                 </a:bodyPr>
                 <a:lstStyle/>
                 <a:p>
+                  <a:pPr/>
                   <a14:m>
                     <m:oMathPara xmlns:m="http://schemas.openxmlformats.org/officeDocument/2006/math">
                       <m:oMathParaPr>
@@ -5145,7 +5164,7 @@
               </p:txBody>
             </p:sp>
           </mc:Choice>
-          <mc:Fallback>
+          <mc:Fallback xmlns="">
             <p:sp>
               <p:nvSpPr>
                 <p:cNvPr id="56" name="TextBox 55"/>
@@ -5184,8 +5203,8 @@
             </p:sp>
           </mc:Fallback>
         </mc:AlternateContent>
-        <mc:AlternateContent xmlns:mc="http://schemas.openxmlformats.org/markup-compatibility/2006">
-          <mc:Choice xmlns:a14="http://schemas.microsoft.com/office/drawing/2010/main" Requires="a14">
+        <mc:AlternateContent xmlns:mc="http://schemas.openxmlformats.org/markup-compatibility/2006" xmlns:a14="http://schemas.microsoft.com/office/drawing/2010/main">
+          <mc:Choice Requires="a14">
             <p:sp>
               <p:nvSpPr>
                 <p:cNvPr id="57" name="TextBox 56"/>
@@ -5208,6 +5227,7 @@
                 </a:bodyPr>
                 <a:lstStyle/>
                 <a:p>
+                  <a:pPr/>
                   <a14:m>
                     <m:oMathPara xmlns:m="http://schemas.openxmlformats.org/officeDocument/2006/math">
                       <m:oMathParaPr>
@@ -5228,7 +5248,7 @@
               </p:txBody>
             </p:sp>
           </mc:Choice>
-          <mc:Fallback>
+          <mc:Fallback xmlns="">
             <p:sp>
               <p:nvSpPr>
                 <p:cNvPr id="57" name="TextBox 56"/>
@@ -5267,8 +5287,8 @@
             </p:sp>
           </mc:Fallback>
         </mc:AlternateContent>
-        <mc:AlternateContent xmlns:mc="http://schemas.openxmlformats.org/markup-compatibility/2006">
-          <mc:Choice xmlns:a14="http://schemas.microsoft.com/office/drawing/2010/main" Requires="a14">
+        <mc:AlternateContent xmlns:mc="http://schemas.openxmlformats.org/markup-compatibility/2006" xmlns:a14="http://schemas.microsoft.com/office/drawing/2010/main">
+          <mc:Choice Requires="a14">
             <p:sp>
               <p:nvSpPr>
                 <p:cNvPr id="58" name="TextBox 57"/>
@@ -5291,6 +5311,7 @@
                 </a:bodyPr>
                 <a:lstStyle/>
                 <a:p>
+                  <a:pPr/>
                   <a14:m>
                     <m:oMathPara xmlns:m="http://schemas.openxmlformats.org/officeDocument/2006/math">
                       <m:oMathParaPr>
@@ -5311,7 +5332,7 @@
               </p:txBody>
             </p:sp>
           </mc:Choice>
-          <mc:Fallback>
+          <mc:Fallback xmlns="">
             <p:sp>
               <p:nvSpPr>
                 <p:cNvPr id="58" name="TextBox 57"/>
@@ -5766,8 +5787,8 @@
             </a:p>
           </p:txBody>
         </p:sp>
-        <mc:AlternateContent xmlns:mc="http://schemas.openxmlformats.org/markup-compatibility/2006">
-          <mc:Choice xmlns:a14="http://schemas.microsoft.com/office/drawing/2010/main" Requires="a14">
+        <mc:AlternateContent xmlns:mc="http://schemas.openxmlformats.org/markup-compatibility/2006" xmlns:a14="http://schemas.microsoft.com/office/drawing/2010/main">
+          <mc:Choice Requires="a14">
             <p:sp>
               <p:nvSpPr>
                 <p:cNvPr id="84" name="TextBox 83"/>
@@ -5790,6 +5811,7 @@
                 </a:bodyPr>
                 <a:lstStyle/>
                 <a:p>
+                  <a:pPr/>
                   <a14:m>
                     <m:oMathPara xmlns:m="http://schemas.openxmlformats.org/officeDocument/2006/math">
                       <m:oMathParaPr>
@@ -5810,7 +5832,7 @@
               </p:txBody>
             </p:sp>
           </mc:Choice>
-          <mc:Fallback>
+          <mc:Fallback xmlns="">
             <p:sp>
               <p:nvSpPr>
                 <p:cNvPr id="84" name="TextBox 83"/>
@@ -5849,8 +5871,8 @@
             </p:sp>
           </mc:Fallback>
         </mc:AlternateContent>
-        <mc:AlternateContent xmlns:mc="http://schemas.openxmlformats.org/markup-compatibility/2006">
-          <mc:Choice xmlns:a14="http://schemas.microsoft.com/office/drawing/2010/main" Requires="a14">
+        <mc:AlternateContent xmlns:mc="http://schemas.openxmlformats.org/markup-compatibility/2006" xmlns:a14="http://schemas.microsoft.com/office/drawing/2010/main">
+          <mc:Choice Requires="a14">
             <p:sp>
               <p:nvSpPr>
                 <p:cNvPr id="85" name="TextBox 84"/>
@@ -5873,6 +5895,7 @@
                 </a:bodyPr>
                 <a:lstStyle/>
                 <a:p>
+                  <a:pPr/>
                   <a14:m>
                     <m:oMathPara xmlns:m="http://schemas.openxmlformats.org/officeDocument/2006/math">
                       <m:oMathParaPr>
@@ -5893,7 +5916,7 @@
               </p:txBody>
             </p:sp>
           </mc:Choice>
-          <mc:Fallback>
+          <mc:Fallback xmlns="">
             <p:sp>
               <p:nvSpPr>
                 <p:cNvPr id="85" name="TextBox 84"/>
@@ -5932,8 +5955,8 @@
             </p:sp>
           </mc:Fallback>
         </mc:AlternateContent>
-        <mc:AlternateContent xmlns:mc="http://schemas.openxmlformats.org/markup-compatibility/2006">
-          <mc:Choice xmlns:a14="http://schemas.microsoft.com/office/drawing/2010/main" Requires="a14">
+        <mc:AlternateContent xmlns:mc="http://schemas.openxmlformats.org/markup-compatibility/2006" xmlns:a14="http://schemas.microsoft.com/office/drawing/2010/main">
+          <mc:Choice Requires="a14">
             <p:sp>
               <p:nvSpPr>
                 <p:cNvPr id="86" name="TextBox 85"/>
@@ -5956,6 +5979,7 @@
                 </a:bodyPr>
                 <a:lstStyle/>
                 <a:p>
+                  <a:pPr/>
                   <a14:m>
                     <m:oMathPara xmlns:m="http://schemas.openxmlformats.org/officeDocument/2006/math">
                       <m:oMathParaPr>
@@ -5976,7 +6000,7 @@
               </p:txBody>
             </p:sp>
           </mc:Choice>
-          <mc:Fallback>
+          <mc:Fallback xmlns="">
             <p:sp>
               <p:nvSpPr>
                 <p:cNvPr id="86" name="TextBox 85"/>
@@ -6015,8 +6039,8 @@
             </p:sp>
           </mc:Fallback>
         </mc:AlternateContent>
-        <mc:AlternateContent xmlns:mc="http://schemas.openxmlformats.org/markup-compatibility/2006">
-          <mc:Choice xmlns:a14="http://schemas.microsoft.com/office/drawing/2010/main" Requires="a14">
+        <mc:AlternateContent xmlns:mc="http://schemas.openxmlformats.org/markup-compatibility/2006" xmlns:a14="http://schemas.microsoft.com/office/drawing/2010/main">
+          <mc:Choice Requires="a14">
             <p:sp>
               <p:nvSpPr>
                 <p:cNvPr id="87" name="TextBox 86"/>
@@ -6039,6 +6063,7 @@
                 </a:bodyPr>
                 <a:lstStyle/>
                 <a:p>
+                  <a:pPr/>
                   <a14:m>
                     <m:oMathPara xmlns:m="http://schemas.openxmlformats.org/officeDocument/2006/math">
                       <m:oMathParaPr>
@@ -6059,7 +6084,7 @@
               </p:txBody>
             </p:sp>
           </mc:Choice>
-          <mc:Fallback>
+          <mc:Fallback xmlns="">
             <p:sp>
               <p:nvSpPr>
                 <p:cNvPr id="87" name="TextBox 86"/>
@@ -6098,8 +6123,8 @@
             </p:sp>
           </mc:Fallback>
         </mc:AlternateContent>
-        <mc:AlternateContent xmlns:mc="http://schemas.openxmlformats.org/markup-compatibility/2006">
-          <mc:Choice xmlns:a14="http://schemas.microsoft.com/office/drawing/2010/main" Requires="a14">
+        <mc:AlternateContent xmlns:mc="http://schemas.openxmlformats.org/markup-compatibility/2006" xmlns:a14="http://schemas.microsoft.com/office/drawing/2010/main">
+          <mc:Choice Requires="a14">
             <p:sp>
               <p:nvSpPr>
                 <p:cNvPr id="88" name="TextBox 87"/>
@@ -6122,6 +6147,7 @@
                 </a:bodyPr>
                 <a:lstStyle/>
                 <a:p>
+                  <a:pPr/>
                   <a14:m>
                     <m:oMathPara xmlns:m="http://schemas.openxmlformats.org/officeDocument/2006/math">
                       <m:oMathParaPr>
@@ -6142,7 +6168,7 @@
               </p:txBody>
             </p:sp>
           </mc:Choice>
-          <mc:Fallback>
+          <mc:Fallback xmlns="">
             <p:sp>
               <p:nvSpPr>
                 <p:cNvPr id="88" name="TextBox 87"/>
@@ -6181,8 +6207,8 @@
             </p:sp>
           </mc:Fallback>
         </mc:AlternateContent>
-        <mc:AlternateContent xmlns:mc="http://schemas.openxmlformats.org/markup-compatibility/2006">
-          <mc:Choice xmlns:a14="http://schemas.microsoft.com/office/drawing/2010/main" Requires="a14">
+        <mc:AlternateContent xmlns:mc="http://schemas.openxmlformats.org/markup-compatibility/2006" xmlns:a14="http://schemas.microsoft.com/office/drawing/2010/main">
+          <mc:Choice Requires="a14">
             <p:sp>
               <p:nvSpPr>
                 <p:cNvPr id="89" name="TextBox 88"/>
@@ -6205,6 +6231,7 @@
                 </a:bodyPr>
                 <a:lstStyle/>
                 <a:p>
+                  <a:pPr/>
                   <a14:m>
                     <m:oMathPara xmlns:m="http://schemas.openxmlformats.org/officeDocument/2006/math">
                       <m:oMathParaPr>
@@ -6225,7 +6252,7 @@
               </p:txBody>
             </p:sp>
           </mc:Choice>
-          <mc:Fallback>
+          <mc:Fallback xmlns="">
             <p:sp>
               <p:nvSpPr>
                 <p:cNvPr id="89" name="TextBox 88"/>
@@ -6264,8 +6291,8 @@
             </p:sp>
           </mc:Fallback>
         </mc:AlternateContent>
-        <mc:AlternateContent xmlns:mc="http://schemas.openxmlformats.org/markup-compatibility/2006">
-          <mc:Choice xmlns:a14="http://schemas.microsoft.com/office/drawing/2010/main" Requires="a14">
+        <mc:AlternateContent xmlns:mc="http://schemas.openxmlformats.org/markup-compatibility/2006" xmlns:a14="http://schemas.microsoft.com/office/drawing/2010/main">
+          <mc:Choice Requires="a14">
             <p:sp>
               <p:nvSpPr>
                 <p:cNvPr id="90" name="TextBox 89"/>
@@ -6288,6 +6315,7 @@
                 </a:bodyPr>
                 <a:lstStyle/>
                 <a:p>
+                  <a:pPr/>
                   <a14:m>
                     <m:oMathPara xmlns:m="http://schemas.openxmlformats.org/officeDocument/2006/math">
                       <m:oMathParaPr>
@@ -6308,7 +6336,7 @@
               </p:txBody>
             </p:sp>
           </mc:Choice>
-          <mc:Fallback>
+          <mc:Fallback xmlns="">
             <p:sp>
               <p:nvSpPr>
                 <p:cNvPr id="90" name="TextBox 89"/>
@@ -6347,8 +6375,8 @@
             </p:sp>
           </mc:Fallback>
         </mc:AlternateContent>
-        <mc:AlternateContent xmlns:mc="http://schemas.openxmlformats.org/markup-compatibility/2006">
-          <mc:Choice xmlns:a14="http://schemas.microsoft.com/office/drawing/2010/main" Requires="a14">
+        <mc:AlternateContent xmlns:mc="http://schemas.openxmlformats.org/markup-compatibility/2006" xmlns:a14="http://schemas.microsoft.com/office/drawing/2010/main">
+          <mc:Choice Requires="a14">
             <p:sp>
               <p:nvSpPr>
                 <p:cNvPr id="91" name="TextBox 90"/>
@@ -6371,6 +6399,7 @@
                 </a:bodyPr>
                 <a:lstStyle/>
                 <a:p>
+                  <a:pPr/>
                   <a14:m>
                     <m:oMathPara xmlns:m="http://schemas.openxmlformats.org/officeDocument/2006/math">
                       <m:oMathParaPr>
@@ -6391,7 +6420,7 @@
               </p:txBody>
             </p:sp>
           </mc:Choice>
-          <mc:Fallback>
+          <mc:Fallback xmlns="">
             <p:sp>
               <p:nvSpPr>
                 <p:cNvPr id="91" name="TextBox 90"/>
@@ -6846,8 +6875,8 @@
             </a:p>
           </p:txBody>
         </p:sp>
-        <mc:AlternateContent xmlns:mc="http://schemas.openxmlformats.org/markup-compatibility/2006">
-          <mc:Choice xmlns:a14="http://schemas.microsoft.com/office/drawing/2010/main" Requires="a14">
+        <mc:AlternateContent xmlns:mc="http://schemas.openxmlformats.org/markup-compatibility/2006" xmlns:a14="http://schemas.microsoft.com/office/drawing/2010/main">
+          <mc:Choice Requires="a14">
             <p:sp>
               <p:nvSpPr>
                 <p:cNvPr id="101" name="TextBox 100"/>
@@ -6870,6 +6899,7 @@
                 </a:bodyPr>
                 <a:lstStyle/>
                 <a:p>
+                  <a:pPr/>
                   <a14:m>
                     <m:oMathPara xmlns:m="http://schemas.openxmlformats.org/officeDocument/2006/math">
                       <m:oMathParaPr>
@@ -6890,7 +6920,7 @@
               </p:txBody>
             </p:sp>
           </mc:Choice>
-          <mc:Fallback>
+          <mc:Fallback xmlns="">
             <p:sp>
               <p:nvSpPr>
                 <p:cNvPr id="101" name="TextBox 100"/>
@@ -6929,8 +6959,8 @@
             </p:sp>
           </mc:Fallback>
         </mc:AlternateContent>
-        <mc:AlternateContent xmlns:mc="http://schemas.openxmlformats.org/markup-compatibility/2006">
-          <mc:Choice xmlns:a14="http://schemas.microsoft.com/office/drawing/2010/main" Requires="a14">
+        <mc:AlternateContent xmlns:mc="http://schemas.openxmlformats.org/markup-compatibility/2006" xmlns:a14="http://schemas.microsoft.com/office/drawing/2010/main">
+          <mc:Choice Requires="a14">
             <p:sp>
               <p:nvSpPr>
                 <p:cNvPr id="102" name="TextBox 101"/>
@@ -6953,6 +6983,7 @@
                 </a:bodyPr>
                 <a:lstStyle/>
                 <a:p>
+                  <a:pPr/>
                   <a14:m>
                     <m:oMathPara xmlns:m="http://schemas.openxmlformats.org/officeDocument/2006/math">
                       <m:oMathParaPr>
@@ -6973,7 +7004,7 @@
               </p:txBody>
             </p:sp>
           </mc:Choice>
-          <mc:Fallback>
+          <mc:Fallback xmlns="">
             <p:sp>
               <p:nvSpPr>
                 <p:cNvPr id="102" name="TextBox 101"/>
@@ -7012,8 +7043,8 @@
             </p:sp>
           </mc:Fallback>
         </mc:AlternateContent>
-        <mc:AlternateContent xmlns:mc="http://schemas.openxmlformats.org/markup-compatibility/2006">
-          <mc:Choice xmlns:a14="http://schemas.microsoft.com/office/drawing/2010/main" Requires="a14">
+        <mc:AlternateContent xmlns:mc="http://schemas.openxmlformats.org/markup-compatibility/2006" xmlns:a14="http://schemas.microsoft.com/office/drawing/2010/main">
+          <mc:Choice Requires="a14">
             <p:sp>
               <p:nvSpPr>
                 <p:cNvPr id="103" name="TextBox 102"/>
@@ -7036,6 +7067,7 @@
                 </a:bodyPr>
                 <a:lstStyle/>
                 <a:p>
+                  <a:pPr/>
                   <a14:m>
                     <m:oMathPara xmlns:m="http://schemas.openxmlformats.org/officeDocument/2006/math">
                       <m:oMathParaPr>
@@ -7056,7 +7088,7 @@
               </p:txBody>
             </p:sp>
           </mc:Choice>
-          <mc:Fallback>
+          <mc:Fallback xmlns="">
             <p:sp>
               <p:nvSpPr>
                 <p:cNvPr id="103" name="TextBox 102"/>
@@ -7095,8 +7127,8 @@
             </p:sp>
           </mc:Fallback>
         </mc:AlternateContent>
-        <mc:AlternateContent xmlns:mc="http://schemas.openxmlformats.org/markup-compatibility/2006">
-          <mc:Choice xmlns:a14="http://schemas.microsoft.com/office/drawing/2010/main" Requires="a14">
+        <mc:AlternateContent xmlns:mc="http://schemas.openxmlformats.org/markup-compatibility/2006" xmlns:a14="http://schemas.microsoft.com/office/drawing/2010/main">
+          <mc:Choice Requires="a14">
             <p:sp>
               <p:nvSpPr>
                 <p:cNvPr id="104" name="TextBox 103"/>
@@ -7119,6 +7151,7 @@
                 </a:bodyPr>
                 <a:lstStyle/>
                 <a:p>
+                  <a:pPr/>
                   <a14:m>
                     <m:oMathPara xmlns:m="http://schemas.openxmlformats.org/officeDocument/2006/math">
                       <m:oMathParaPr>
@@ -7139,7 +7172,7 @@
               </p:txBody>
             </p:sp>
           </mc:Choice>
-          <mc:Fallback>
+          <mc:Fallback xmlns="">
             <p:sp>
               <p:nvSpPr>
                 <p:cNvPr id="104" name="TextBox 103"/>
@@ -7178,8 +7211,8 @@
             </p:sp>
           </mc:Fallback>
         </mc:AlternateContent>
-        <mc:AlternateContent xmlns:mc="http://schemas.openxmlformats.org/markup-compatibility/2006">
-          <mc:Choice xmlns:a14="http://schemas.microsoft.com/office/drawing/2010/main" Requires="a14">
+        <mc:AlternateContent xmlns:mc="http://schemas.openxmlformats.org/markup-compatibility/2006" xmlns:a14="http://schemas.microsoft.com/office/drawing/2010/main">
+          <mc:Choice Requires="a14">
             <p:sp>
               <p:nvSpPr>
                 <p:cNvPr id="105" name="TextBox 104"/>
@@ -7202,6 +7235,7 @@
                 </a:bodyPr>
                 <a:lstStyle/>
                 <a:p>
+                  <a:pPr/>
                   <a14:m>
                     <m:oMathPara xmlns:m="http://schemas.openxmlformats.org/officeDocument/2006/math">
                       <m:oMathParaPr>
@@ -7222,7 +7256,7 @@
               </p:txBody>
             </p:sp>
           </mc:Choice>
-          <mc:Fallback>
+          <mc:Fallback xmlns="">
             <p:sp>
               <p:nvSpPr>
                 <p:cNvPr id="105" name="TextBox 104"/>
@@ -7261,8 +7295,8 @@
             </p:sp>
           </mc:Fallback>
         </mc:AlternateContent>
-        <mc:AlternateContent xmlns:mc="http://schemas.openxmlformats.org/markup-compatibility/2006">
-          <mc:Choice xmlns:a14="http://schemas.microsoft.com/office/drawing/2010/main" Requires="a14">
+        <mc:AlternateContent xmlns:mc="http://schemas.openxmlformats.org/markup-compatibility/2006" xmlns:a14="http://schemas.microsoft.com/office/drawing/2010/main">
+          <mc:Choice Requires="a14">
             <p:sp>
               <p:nvSpPr>
                 <p:cNvPr id="106" name="TextBox 105"/>
@@ -7285,6 +7319,7 @@
                 </a:bodyPr>
                 <a:lstStyle/>
                 <a:p>
+                  <a:pPr/>
                   <a14:m>
                     <m:oMathPara xmlns:m="http://schemas.openxmlformats.org/officeDocument/2006/math">
                       <m:oMathParaPr>
@@ -7305,7 +7340,7 @@
               </p:txBody>
             </p:sp>
           </mc:Choice>
-          <mc:Fallback>
+          <mc:Fallback xmlns="">
             <p:sp>
               <p:nvSpPr>
                 <p:cNvPr id="106" name="TextBox 105"/>
@@ -7344,8 +7379,8 @@
             </p:sp>
           </mc:Fallback>
         </mc:AlternateContent>
-        <mc:AlternateContent xmlns:mc="http://schemas.openxmlformats.org/markup-compatibility/2006">
-          <mc:Choice xmlns:a14="http://schemas.microsoft.com/office/drawing/2010/main" Requires="a14">
+        <mc:AlternateContent xmlns:mc="http://schemas.openxmlformats.org/markup-compatibility/2006" xmlns:a14="http://schemas.microsoft.com/office/drawing/2010/main">
+          <mc:Choice Requires="a14">
             <p:sp>
               <p:nvSpPr>
                 <p:cNvPr id="107" name="TextBox 106"/>
@@ -7368,6 +7403,7 @@
                 </a:bodyPr>
                 <a:lstStyle/>
                 <a:p>
+                  <a:pPr/>
                   <a14:m>
                     <m:oMathPara xmlns:m="http://schemas.openxmlformats.org/officeDocument/2006/math">
                       <m:oMathParaPr>
@@ -7388,7 +7424,7 @@
               </p:txBody>
             </p:sp>
           </mc:Choice>
-          <mc:Fallback>
+          <mc:Fallback xmlns="">
             <p:sp>
               <p:nvSpPr>
                 <p:cNvPr id="107" name="TextBox 106"/>
@@ -7427,8 +7463,8 @@
             </p:sp>
           </mc:Fallback>
         </mc:AlternateContent>
-        <mc:AlternateContent xmlns:mc="http://schemas.openxmlformats.org/markup-compatibility/2006">
-          <mc:Choice xmlns:a14="http://schemas.microsoft.com/office/drawing/2010/main" Requires="a14">
+        <mc:AlternateContent xmlns:mc="http://schemas.openxmlformats.org/markup-compatibility/2006" xmlns:a14="http://schemas.microsoft.com/office/drawing/2010/main">
+          <mc:Choice Requires="a14">
             <p:sp>
               <p:nvSpPr>
                 <p:cNvPr id="108" name="TextBox 107"/>
@@ -7451,6 +7487,7 @@
                 </a:bodyPr>
                 <a:lstStyle/>
                 <a:p>
+                  <a:pPr/>
                   <a14:m>
                     <m:oMathPara xmlns:m="http://schemas.openxmlformats.org/officeDocument/2006/math">
                       <m:oMathParaPr>
@@ -7471,7 +7508,7 @@
               </p:txBody>
             </p:sp>
           </mc:Choice>
-          <mc:Fallback>
+          <mc:Fallback xmlns="">
             <p:sp>
               <p:nvSpPr>
                 <p:cNvPr id="108" name="TextBox 107"/>
@@ -7926,8 +7963,8 @@
             </a:p>
           </p:txBody>
         </p:sp>
-        <mc:AlternateContent xmlns:mc="http://schemas.openxmlformats.org/markup-compatibility/2006">
-          <mc:Choice xmlns:a14="http://schemas.microsoft.com/office/drawing/2010/main" Requires="a14">
+        <mc:AlternateContent xmlns:mc="http://schemas.openxmlformats.org/markup-compatibility/2006" xmlns:a14="http://schemas.microsoft.com/office/drawing/2010/main">
+          <mc:Choice Requires="a14">
             <p:sp>
               <p:nvSpPr>
                 <p:cNvPr id="118" name="TextBox 117"/>
@@ -7950,6 +7987,7 @@
                 </a:bodyPr>
                 <a:lstStyle/>
                 <a:p>
+                  <a:pPr/>
                   <a14:m>
                     <m:oMathPara xmlns:m="http://schemas.openxmlformats.org/officeDocument/2006/math">
                       <m:oMathParaPr>
@@ -7970,7 +8008,7 @@
               </p:txBody>
             </p:sp>
           </mc:Choice>
-          <mc:Fallback>
+          <mc:Fallback xmlns="">
             <p:sp>
               <p:nvSpPr>
                 <p:cNvPr id="118" name="TextBox 117"/>
@@ -8009,8 +8047,8 @@
             </p:sp>
           </mc:Fallback>
         </mc:AlternateContent>
-        <mc:AlternateContent xmlns:mc="http://schemas.openxmlformats.org/markup-compatibility/2006">
-          <mc:Choice xmlns:a14="http://schemas.microsoft.com/office/drawing/2010/main" Requires="a14">
+        <mc:AlternateContent xmlns:mc="http://schemas.openxmlformats.org/markup-compatibility/2006" xmlns:a14="http://schemas.microsoft.com/office/drawing/2010/main">
+          <mc:Choice Requires="a14">
             <p:sp>
               <p:nvSpPr>
                 <p:cNvPr id="119" name="TextBox 118"/>
@@ -8033,6 +8071,7 @@
                 </a:bodyPr>
                 <a:lstStyle/>
                 <a:p>
+                  <a:pPr/>
                   <a14:m>
                     <m:oMathPara xmlns:m="http://schemas.openxmlformats.org/officeDocument/2006/math">
                       <m:oMathParaPr>
@@ -8053,7 +8092,7 @@
               </p:txBody>
             </p:sp>
           </mc:Choice>
-          <mc:Fallback>
+          <mc:Fallback xmlns="">
             <p:sp>
               <p:nvSpPr>
                 <p:cNvPr id="119" name="TextBox 118"/>
@@ -8092,8 +8131,8 @@
             </p:sp>
           </mc:Fallback>
         </mc:AlternateContent>
-        <mc:AlternateContent xmlns:mc="http://schemas.openxmlformats.org/markup-compatibility/2006">
-          <mc:Choice xmlns:a14="http://schemas.microsoft.com/office/drawing/2010/main" Requires="a14">
+        <mc:AlternateContent xmlns:mc="http://schemas.openxmlformats.org/markup-compatibility/2006" xmlns:a14="http://schemas.microsoft.com/office/drawing/2010/main">
+          <mc:Choice Requires="a14">
             <p:sp>
               <p:nvSpPr>
                 <p:cNvPr id="120" name="TextBox 119"/>
@@ -8116,6 +8155,7 @@
                 </a:bodyPr>
                 <a:lstStyle/>
                 <a:p>
+                  <a:pPr/>
                   <a14:m>
                     <m:oMathPara xmlns:m="http://schemas.openxmlformats.org/officeDocument/2006/math">
                       <m:oMathParaPr>
@@ -8136,7 +8176,7 @@
               </p:txBody>
             </p:sp>
           </mc:Choice>
-          <mc:Fallback>
+          <mc:Fallback xmlns="">
             <p:sp>
               <p:nvSpPr>
                 <p:cNvPr id="120" name="TextBox 119"/>
@@ -8175,8 +8215,8 @@
             </p:sp>
           </mc:Fallback>
         </mc:AlternateContent>
-        <mc:AlternateContent xmlns:mc="http://schemas.openxmlformats.org/markup-compatibility/2006">
-          <mc:Choice xmlns:a14="http://schemas.microsoft.com/office/drawing/2010/main" Requires="a14">
+        <mc:AlternateContent xmlns:mc="http://schemas.openxmlformats.org/markup-compatibility/2006" xmlns:a14="http://schemas.microsoft.com/office/drawing/2010/main">
+          <mc:Choice Requires="a14">
             <p:sp>
               <p:nvSpPr>
                 <p:cNvPr id="121" name="TextBox 120"/>
@@ -8199,6 +8239,7 @@
                 </a:bodyPr>
                 <a:lstStyle/>
                 <a:p>
+                  <a:pPr/>
                   <a14:m>
                     <m:oMathPara xmlns:m="http://schemas.openxmlformats.org/officeDocument/2006/math">
                       <m:oMathParaPr>
@@ -8219,7 +8260,7 @@
               </p:txBody>
             </p:sp>
           </mc:Choice>
-          <mc:Fallback>
+          <mc:Fallback xmlns="">
             <p:sp>
               <p:nvSpPr>
                 <p:cNvPr id="121" name="TextBox 120"/>
@@ -8258,8 +8299,8 @@
             </p:sp>
           </mc:Fallback>
         </mc:AlternateContent>
-        <mc:AlternateContent xmlns:mc="http://schemas.openxmlformats.org/markup-compatibility/2006">
-          <mc:Choice xmlns:a14="http://schemas.microsoft.com/office/drawing/2010/main" Requires="a14">
+        <mc:AlternateContent xmlns:mc="http://schemas.openxmlformats.org/markup-compatibility/2006" xmlns:a14="http://schemas.microsoft.com/office/drawing/2010/main">
+          <mc:Choice Requires="a14">
             <p:sp>
               <p:nvSpPr>
                 <p:cNvPr id="122" name="TextBox 121"/>
@@ -8282,6 +8323,7 @@
                 </a:bodyPr>
                 <a:lstStyle/>
                 <a:p>
+                  <a:pPr/>
                   <a14:m>
                     <m:oMathPara xmlns:m="http://schemas.openxmlformats.org/officeDocument/2006/math">
                       <m:oMathParaPr>
@@ -8302,7 +8344,7 @@
               </p:txBody>
             </p:sp>
           </mc:Choice>
-          <mc:Fallback>
+          <mc:Fallback xmlns="">
             <p:sp>
               <p:nvSpPr>
                 <p:cNvPr id="122" name="TextBox 121"/>
@@ -8341,8 +8383,8 @@
             </p:sp>
           </mc:Fallback>
         </mc:AlternateContent>
-        <mc:AlternateContent xmlns:mc="http://schemas.openxmlformats.org/markup-compatibility/2006">
-          <mc:Choice xmlns:a14="http://schemas.microsoft.com/office/drawing/2010/main" Requires="a14">
+        <mc:AlternateContent xmlns:mc="http://schemas.openxmlformats.org/markup-compatibility/2006" xmlns:a14="http://schemas.microsoft.com/office/drawing/2010/main">
+          <mc:Choice Requires="a14">
             <p:sp>
               <p:nvSpPr>
                 <p:cNvPr id="123" name="TextBox 122"/>
@@ -8365,6 +8407,7 @@
                 </a:bodyPr>
                 <a:lstStyle/>
                 <a:p>
+                  <a:pPr/>
                   <a14:m>
                     <m:oMathPara xmlns:m="http://schemas.openxmlformats.org/officeDocument/2006/math">
                       <m:oMathParaPr>
@@ -8385,7 +8428,7 @@
               </p:txBody>
             </p:sp>
           </mc:Choice>
-          <mc:Fallback>
+          <mc:Fallback xmlns="">
             <p:sp>
               <p:nvSpPr>
                 <p:cNvPr id="123" name="TextBox 122"/>
@@ -8424,8 +8467,8 @@
             </p:sp>
           </mc:Fallback>
         </mc:AlternateContent>
-        <mc:AlternateContent xmlns:mc="http://schemas.openxmlformats.org/markup-compatibility/2006">
-          <mc:Choice xmlns:a14="http://schemas.microsoft.com/office/drawing/2010/main" Requires="a14">
+        <mc:AlternateContent xmlns:mc="http://schemas.openxmlformats.org/markup-compatibility/2006" xmlns:a14="http://schemas.microsoft.com/office/drawing/2010/main">
+          <mc:Choice Requires="a14">
             <p:sp>
               <p:nvSpPr>
                 <p:cNvPr id="124" name="TextBox 123"/>
@@ -8448,6 +8491,7 @@
                 </a:bodyPr>
                 <a:lstStyle/>
                 <a:p>
+                  <a:pPr/>
                   <a14:m>
                     <m:oMathPara xmlns:m="http://schemas.openxmlformats.org/officeDocument/2006/math">
                       <m:oMathParaPr>
@@ -8468,7 +8512,7 @@
               </p:txBody>
             </p:sp>
           </mc:Choice>
-          <mc:Fallback>
+          <mc:Fallback xmlns="">
             <p:sp>
               <p:nvSpPr>
                 <p:cNvPr id="124" name="TextBox 123"/>
@@ -8507,8 +8551,8 @@
             </p:sp>
           </mc:Fallback>
         </mc:AlternateContent>
-        <mc:AlternateContent xmlns:mc="http://schemas.openxmlformats.org/markup-compatibility/2006">
-          <mc:Choice xmlns:a14="http://schemas.microsoft.com/office/drawing/2010/main" Requires="a14">
+        <mc:AlternateContent xmlns:mc="http://schemas.openxmlformats.org/markup-compatibility/2006" xmlns:a14="http://schemas.microsoft.com/office/drawing/2010/main">
+          <mc:Choice Requires="a14">
             <p:sp>
               <p:nvSpPr>
                 <p:cNvPr id="125" name="TextBox 124"/>
@@ -8531,6 +8575,7 @@
                 </a:bodyPr>
                 <a:lstStyle/>
                 <a:p>
+                  <a:pPr/>
                   <a14:m>
                     <m:oMathPara xmlns:m="http://schemas.openxmlformats.org/officeDocument/2006/math">
                       <m:oMathParaPr>
@@ -8551,7 +8596,7 @@
               </p:txBody>
             </p:sp>
           </mc:Choice>
-          <mc:Fallback>
+          <mc:Fallback xmlns="">
             <p:sp>
               <p:nvSpPr>
                 <p:cNvPr id="125" name="TextBox 124"/>
@@ -8598,7 +8643,7 @@
           </p:nvSpPr>
           <p:spPr>
             <a:xfrm>
-              <a:off x="2936674" y="887386"/>
+              <a:off x="2924217" y="1027249"/>
               <a:ext cx="1064273" cy="369332"/>
             </a:xfrm>
             <a:prstGeom prst="rect">
@@ -8613,14 +8658,14 @@
             <a:lstStyle/>
             <a:p>
               <a:r>
-                <a:rPr lang="pt-BR" smtClean="0">
+                <a:rPr lang="pt-BR" i="1" dirty="0" err="1" smtClean="0">
                   <a:latin typeface="CMU Serif Roman" charset="0"/>
                   <a:ea typeface="CMU Serif Roman" charset="0"/>
                   <a:cs typeface="CMU Serif Roman" charset="0"/>
                 </a:rPr>
                 <a:t>Tabacco</a:t>
               </a:r>
-              <a:endParaRPr lang="pt-BR" dirty="0">
+              <a:endParaRPr lang="pt-BR" i="1" dirty="0">
                 <a:latin typeface="CMU Serif Roman" charset="0"/>
                 <a:ea typeface="CMU Serif Roman" charset="0"/>
                 <a:cs typeface="CMU Serif Roman" charset="0"/>
@@ -8636,7 +8681,7 @@
           </p:nvSpPr>
           <p:spPr>
             <a:xfrm>
-              <a:off x="2732290" y="4366435"/>
+              <a:off x="2659505" y="4352147"/>
               <a:ext cx="1812708" cy="369332"/>
             </a:xfrm>
             <a:prstGeom prst="rect">
@@ -8651,7 +8696,7 @@
             <a:lstStyle/>
             <a:p>
               <a:r>
-                <a:rPr lang="pt-BR" dirty="0" err="1" smtClean="0">
+                <a:rPr lang="pt-BR" i="1" dirty="0" err="1" smtClean="0">
                   <a:latin typeface="CMU Serif Roman" charset="0"/>
                   <a:ea typeface="CMU Serif Roman" charset="0"/>
                   <a:cs typeface="CMU Serif Roman" charset="0"/>
@@ -8659,7 +8704,7 @@
                 <a:t>Lobelia</a:t>
               </a:r>
               <a:r>
-                <a:rPr lang="pt-BR" dirty="0" smtClean="0">
+                <a:rPr lang="pt-BR" i="1" dirty="0" smtClean="0">
                   <a:latin typeface="CMU Serif Roman" charset="0"/>
                   <a:ea typeface="CMU Serif Roman" charset="0"/>
                   <a:cs typeface="CMU Serif Roman" charset="0"/>
@@ -8667,14 +8712,14 @@
                 <a:t> </a:t>
               </a:r>
               <a:r>
-                <a:rPr lang="pt-BR" dirty="0" err="1" smtClean="0">
+                <a:rPr lang="pt-BR" i="1" dirty="0" err="1" smtClean="0">
                   <a:latin typeface="CMU Serif Roman" charset="0"/>
                   <a:ea typeface="CMU Serif Roman" charset="0"/>
                   <a:cs typeface="CMU Serif Roman" charset="0"/>
                 </a:rPr>
-                <a:t>feverns</a:t>
+                <a:t>fervens</a:t>
               </a:r>
-              <a:endParaRPr lang="pt-BR" dirty="0">
+              <a:endParaRPr lang="pt-BR" i="1" dirty="0">
                 <a:latin typeface="CMU Serif Roman" charset="0"/>
                 <a:ea typeface="CMU Serif Roman" charset="0"/>
                 <a:cs typeface="CMU Serif Roman" charset="0"/>
